--- a/slides.pptx
+++ b/slides.pptx
@@ -288,7 +288,7 @@
           <a:p>
             <a:fld id="{F5D67128-0ED3-F84C-AB75-26956BD6F773}" type="datetimeFigureOut">
               <a:rPr lang="en-US" smtClean="0"/>
-              <a:t>5/27/21</a:t>
+              <a:t>8/15/2021</a:t>
             </a:fld>
             <a:endParaRPr lang="en-US"/>
           </a:p>
@@ -465,7 +465,7 @@
           <a:p>
             <a:fld id="{9E65F564-29A8-0243-B41B-CCCF740F82F1}" type="datetimeFigureOut">
               <a:rPr lang="en-US" smtClean="0"/>
-              <a:t>5/27/21</a:t>
+              <a:t>8/15/2021</a:t>
             </a:fld>
             <a:endParaRPr lang="en-US"/>
           </a:p>
@@ -870,7 +870,7 @@
           <a:p>
             <a:fld id="{D18B56EA-E28F-4F92-9F16-7A6F2501B303}" type="datetime8">
               <a:rPr lang="en-US" smtClean="0"/>
-              <a:t>5/27/21 10:13 AM</a:t>
+              <a:t>8/15/2021 2:59 PM</a:t>
             </a:fld>
             <a:endParaRPr lang="en-US" dirty="0"/>
           </a:p>
@@ -1219,7 +1219,7 @@
           <a:p>
             <a:fld id="{D18B56EA-E28F-4F92-9F16-7A6F2501B303}" type="datetime8">
               <a:rPr lang="en-US" smtClean="0"/>
-              <a:t>5/27/21 10:13 AM</a:t>
+              <a:t>8/15/2021 2:59 PM</a:t>
             </a:fld>
             <a:endParaRPr lang="en-US" dirty="0"/>
           </a:p>
@@ -1400,7 +1400,7 @@
           <a:p>
             <a:fld id="{D18B56EA-E28F-4F92-9F16-7A6F2501B303}" type="datetime8">
               <a:rPr lang="en-US" smtClean="0"/>
-              <a:t>5/27/21 10:13 AM</a:t>
+              <a:t>8/15/2021 2:59 PM</a:t>
             </a:fld>
             <a:endParaRPr lang="en-US" dirty="0"/>
           </a:p>
@@ -1581,7 +1581,7 @@
           <a:p>
             <a:fld id="{D18B56EA-E28F-4F92-9F16-7A6F2501B303}" type="datetime8">
               <a:rPr lang="en-US" smtClean="0"/>
-              <a:t>5/27/21 10:13 AM</a:t>
+              <a:t>8/15/2021 2:59 PM</a:t>
             </a:fld>
             <a:endParaRPr lang="en-US" dirty="0"/>
           </a:p>
@@ -1850,7 +1850,7 @@
           <a:p>
             <a:fld id="{D18B56EA-E28F-4F92-9F16-7A6F2501B303}" type="datetime8">
               <a:rPr lang="en-US" smtClean="0"/>
-              <a:t>5/27/21 10:13 AM</a:t>
+              <a:t>8/15/2021 2:59 PM</a:t>
             </a:fld>
             <a:endParaRPr lang="en-US" dirty="0"/>
           </a:p>
@@ -2236,7 +2236,7 @@
           <a:p>
             <a:fld id="{D18B56EA-E28F-4F92-9F16-7A6F2501B303}" type="datetime8">
               <a:rPr lang="en-US" smtClean="0"/>
-              <a:t>5/27/21 10:13 AM</a:t>
+              <a:t>8/15/2021 2:59 PM</a:t>
             </a:fld>
             <a:endParaRPr lang="en-US" dirty="0"/>
           </a:p>
@@ -2455,7 +2455,7 @@
           <a:p>
             <a:fld id="{D18B56EA-E28F-4F92-9F16-7A6F2501B303}" type="datetime8">
               <a:rPr lang="en-US" smtClean="0"/>
-              <a:t>5/27/21 10:13 AM</a:t>
+              <a:t>8/15/2021 2:59 PM</a:t>
             </a:fld>
             <a:endParaRPr lang="en-US" dirty="0"/>
           </a:p>
@@ -2679,7 +2679,7 @@
           <a:p>
             <a:fld id="{D18B56EA-E28F-4F92-9F16-7A6F2501B303}" type="datetime8">
               <a:rPr lang="en-US" smtClean="0"/>
-              <a:t>5/27/21 10:13 AM</a:t>
+              <a:t>8/15/2021 2:59 PM</a:t>
             </a:fld>
             <a:endParaRPr lang="en-US" dirty="0"/>
           </a:p>
@@ -2860,7 +2860,7 @@
           <a:p>
             <a:fld id="{D18B56EA-E28F-4F92-9F16-7A6F2501B303}" type="datetime8">
               <a:rPr lang="en-US" smtClean="0"/>
-              <a:t>5/27/21 10:13 AM</a:t>
+              <a:t>8/15/2021 2:59 PM</a:t>
             </a:fld>
             <a:endParaRPr lang="en-US" dirty="0"/>
           </a:p>
@@ -3071,7 +3071,7 @@
           <a:p>
             <a:fld id="{D18B56EA-E28F-4F92-9F16-7A6F2501B303}" type="datetime8">
               <a:rPr lang="en-US" smtClean="0"/>
-              <a:t>5/27/21 10:13 AM</a:t>
+              <a:t>8/15/2021 2:59 PM</a:t>
             </a:fld>
             <a:endParaRPr lang="en-US" dirty="0"/>
           </a:p>
@@ -3282,7 +3282,7 @@
           <a:p>
             <a:fld id="{D18B56EA-E28F-4F92-9F16-7A6F2501B303}" type="datetime8">
               <a:rPr lang="en-US" smtClean="0"/>
-              <a:t>5/27/21 10:13 AM</a:t>
+              <a:t>8/15/2021 2:59 PM</a:t>
             </a:fld>
             <a:endParaRPr lang="en-US" dirty="0"/>
           </a:p>
@@ -3555,7 +3555,7 @@
                 <a:tabLst/>
                 <a:defRPr/>
               </a:pPr>
-              <a:t>5/27/21</a:t>
+              <a:t>8/15/2021</a:t>
             </a:fld>
             <a:endParaRPr kumimoji="0" lang="en-US" sz="1800" b="0" i="0" u="none" strike="noStrike" kern="0" cap="none" spc="0" normalizeH="0" baseline="0" noProof="0" dirty="0">
               <a:ln>
@@ -3836,7 +3836,7 @@
           <a:p>
             <a:fld id="{D18B56EA-E28F-4F92-9F16-7A6F2501B303}" type="datetime8">
               <a:rPr lang="en-US" smtClean="0"/>
-              <a:t>5/27/21 10:13 AM</a:t>
+              <a:t>8/15/2021 2:59 PM</a:t>
             </a:fld>
             <a:endParaRPr lang="en-US" dirty="0"/>
           </a:p>
@@ -4032,7 +4032,7 @@
           <a:p>
             <a:fld id="{D18B56EA-E28F-4F92-9F16-7A6F2501B303}" type="datetime8">
               <a:rPr lang="en-US" smtClean="0"/>
-              <a:t>5/27/21 10:13 AM</a:t>
+              <a:t>8/15/2021 2:59 PM</a:t>
             </a:fld>
             <a:endParaRPr lang="en-US" dirty="0"/>
           </a:p>
@@ -4230,7 +4230,7 @@
           <a:p>
             <a:fld id="{D18B56EA-E28F-4F92-9F16-7A6F2501B303}" type="datetime8">
               <a:rPr lang="en-US" smtClean="0"/>
-              <a:t>5/27/21 10:13 AM</a:t>
+              <a:t>8/15/2021 2:59 PM</a:t>
             </a:fld>
             <a:endParaRPr lang="en-US" dirty="0"/>
           </a:p>
@@ -4411,7 +4411,7 @@
           <a:p>
             <a:fld id="{D18B56EA-E28F-4F92-9F16-7A6F2501B303}" type="datetime8">
               <a:rPr lang="en-US" smtClean="0"/>
-              <a:t>5/27/21 10:13 AM</a:t>
+              <a:t>8/15/2021 2:59 PM</a:t>
             </a:fld>
             <a:endParaRPr lang="en-US" dirty="0"/>
           </a:p>
@@ -4630,7 +4630,7 @@
           <a:p>
             <a:fld id="{D18B56EA-E28F-4F92-9F16-7A6F2501B303}" type="datetime8">
               <a:rPr lang="en-US" smtClean="0"/>
-              <a:t>5/27/21 10:14 AM</a:t>
+              <a:t>8/15/2021 2:59 PM</a:t>
             </a:fld>
             <a:endParaRPr lang="en-US" dirty="0"/>
           </a:p>
@@ -4857,7 +4857,7 @@
           <a:p>
             <a:fld id="{D18B56EA-E28F-4F92-9F16-7A6F2501B303}" type="datetime8">
               <a:rPr lang="en-US" smtClean="0"/>
-              <a:t>5/27/21 10:14 AM</a:t>
+              <a:t>8/15/2021 2:59 PM</a:t>
             </a:fld>
             <a:endParaRPr lang="en-US" dirty="0"/>
           </a:p>
@@ -5076,7 +5076,7 @@
           <a:p>
             <a:fld id="{D18B56EA-E28F-4F92-9F16-7A6F2501B303}" type="datetime8">
               <a:rPr lang="en-US" smtClean="0"/>
-              <a:t>5/27/21 10:14 AM</a:t>
+              <a:t>8/15/2021 2:59 PM</a:t>
             </a:fld>
             <a:endParaRPr lang="en-US" dirty="0"/>
           </a:p>
@@ -5268,7 +5268,7 @@
           <a:p>
             <a:fld id="{D18B56EA-E28F-4F92-9F16-7A6F2501B303}" type="datetime8">
               <a:rPr lang="en-US" smtClean="0"/>
-              <a:t>5/27/21 10:14 AM</a:t>
+              <a:t>8/15/2021 2:59 PM</a:t>
             </a:fld>
             <a:endParaRPr lang="en-US" dirty="0"/>
           </a:p>
@@ -5433,7 +5433,7 @@
           <a:p>
             <a:fld id="{E74353ED-ACB2-44BF-A903-985B0AF962B7}" type="datetime1">
               <a:rPr lang="en-US" smtClean="0"/>
-              <a:t>5/27/21</a:t>
+              <a:t>8/15/2021</a:t>
             </a:fld>
             <a:endParaRPr lang="en-US" dirty="0"/>
           </a:p>
@@ -5635,7 +5635,7 @@
           <a:p>
             <a:fld id="{D18B56EA-E28F-4F92-9F16-7A6F2501B303}" type="datetime8">
               <a:rPr lang="en-US" smtClean="0"/>
-              <a:t>5/27/21 10:13 AM</a:t>
+              <a:t>8/15/2021 2:59 PM</a:t>
             </a:fld>
             <a:endParaRPr lang="en-US" dirty="0"/>
           </a:p>
@@ -6098,7 +6098,7 @@
           <a:p>
             <a:fld id="{D18B56EA-E28F-4F92-9F16-7A6F2501B303}" type="datetime8">
               <a:rPr lang="en-US" smtClean="0"/>
-              <a:t>5/27/21 10:13 AM</a:t>
+              <a:t>8/15/2021 2:59 PM</a:t>
             </a:fld>
             <a:endParaRPr lang="en-US" dirty="0"/>
           </a:p>
@@ -14872,10 +14872,10 @@
       </p:sp>
       <p:pic>
         <p:nvPicPr>
-          <p:cNvPr id="7" name="Picture 6">
+          <p:cNvPr id="12" name="Picture 11" descr="Graphical user interface, text, application&#10;&#10;Description automatically generated">
             <a:extLst>
               <a:ext uri="{FF2B5EF4-FFF2-40B4-BE49-F238E27FC236}">
-                <a16:creationId xmlns:a16="http://schemas.microsoft.com/office/drawing/2014/main" id="{E12640F7-81DB-CE46-8B54-A5469183741B}"/>
+                <a16:creationId xmlns:a16="http://schemas.microsoft.com/office/drawing/2014/main" id="{9C13011A-53FB-482C-BC51-CFA3E7682088}"/>
               </a:ext>
             </a:extLst>
           </p:cNvPr>
@@ -14892,8 +14892,8 @@
         </p:blipFill>
         <p:spPr>
           <a:xfrm>
-            <a:off x="5240976" y="2817260"/>
-            <a:ext cx="6467286" cy="3104297"/>
+            <a:off x="5197316" y="3109104"/>
+            <a:ext cx="6156483" cy="2493765"/>
           </a:xfrm>
           <a:prstGeom prst="rect">
             <a:avLst/>
@@ -24494,20 +24494,20 @@
 </file>
 
 <file path=customXml/item1.xml><?xml version="1.0" encoding="utf-8"?>
+<p:properties xmlns:p="http://schemas.microsoft.com/office/2006/metadata/properties" xmlns:xsi="http://www.w3.org/2001/XMLSchema-instance" xmlns:pc="http://schemas.microsoft.com/office/infopath/2007/PartnerControls">
+  <documentManagement>
+    <MediaServiceKeyPoints xmlns="61b79488-63fd-46f4-b1bf-09cb63d2085e" xsi:nil="true"/>
+  </documentManagement>
+</p:properties>
+</file>
+
+<file path=customXml/item2.xml><?xml version="1.0" encoding="utf-8"?>
 <?mso-contentType ?>
 <FormTemplates xmlns="http://schemas.microsoft.com/sharepoint/v3/contenttype/forms">
   <Display>DocumentLibraryForm</Display>
   <Edit>DocumentLibraryForm</Edit>
   <New>DocumentLibraryForm</New>
 </FormTemplates>
-</file>
-
-<file path=customXml/item2.xml><?xml version="1.0" encoding="utf-8"?>
-<p:properties xmlns:p="http://schemas.microsoft.com/office/2006/metadata/properties" xmlns:xsi="http://www.w3.org/2001/XMLSchema-instance" xmlns:pc="http://schemas.microsoft.com/office/infopath/2007/PartnerControls">
-  <documentManagement>
-    <MediaServiceKeyPoints xmlns="61b79488-63fd-46f4-b1bf-09cb63d2085e" xsi:nil="true"/>
-  </documentManagement>
-</p:properties>
 </file>
 
 <file path=customXml/item3.xml><?xml version="1.0" encoding="utf-8"?>
@@ -24683,14 +24683,6 @@
 </file>
 
 <file path=customXml/itemProps1.xml><?xml version="1.0" encoding="utf-8"?>
-<ds:datastoreItem xmlns:ds="http://schemas.openxmlformats.org/officeDocument/2006/customXml" ds:itemID="{4875BE8C-CB08-400E-A21F-2497FF16C77B}">
-  <ds:schemaRefs>
-    <ds:schemaRef ds:uri="http://schemas.microsoft.com/sharepoint/v3/contenttype/forms"/>
-  </ds:schemaRefs>
-</ds:datastoreItem>
-</file>
-
-<file path=customXml/itemProps2.xml><?xml version="1.0" encoding="utf-8"?>
 <ds:datastoreItem xmlns:ds="http://schemas.openxmlformats.org/officeDocument/2006/customXml" ds:itemID="{56E9BD92-A245-451A-82D6-41724A6593BA}">
   <ds:schemaRefs>
     <ds:schemaRef ds:uri="http://purl.org/dc/elements/1.1/"/>
@@ -24702,6 +24694,14 @@
     <ds:schemaRef ds:uri="http://schemas.microsoft.com/office/2006/metadata/properties"/>
     <ds:schemaRef ds:uri="http://www.w3.org/XML/1998/namespace"/>
     <ds:schemaRef ds:uri="61b79488-63fd-46f4-b1bf-09cb63d2085e"/>
+  </ds:schemaRefs>
+</ds:datastoreItem>
+</file>
+
+<file path=customXml/itemProps2.xml><?xml version="1.0" encoding="utf-8"?>
+<ds:datastoreItem xmlns:ds="http://schemas.openxmlformats.org/officeDocument/2006/customXml" ds:itemID="{4875BE8C-CB08-400E-A21F-2497FF16C77B}">
+  <ds:schemaRefs>
+    <ds:schemaRef ds:uri="http://schemas.microsoft.com/sharepoint/v3/contenttype/forms"/>
   </ds:schemaRefs>
 </ds:datastoreItem>
 </file>
